--- a/laporan/sistem-monitoring-suhu-dan kelembapan-ruang-server.pptx
+++ b/laporan/sistem-monitoring-suhu-dan kelembapan-ruang-server.pptx
@@ -207,7 +207,7 @@
           <a:p>
             <a:fld id="{1F241C4C-7AA4-4519-BCDD-16CC3DBF72EA}" type="datetimeFigureOut">
               <a:rPr lang="id-ID" smtClean="0"/>
-              <a:t>01/01/2023</a:t>
+              <a:t>13/01/2023</a:t>
             </a:fld>
             <a:endParaRPr lang="id-ID"/>
           </a:p>
@@ -869,7 +869,7 @@
           <a:p>
             <a:fld id="{F5FA0744-E22F-4582-92E3-F7A97B6FEF1F}" type="datetimeFigureOut">
               <a:rPr lang="id-ID" smtClean="0"/>
-              <a:t>01/01/2023</a:t>
+              <a:t>13/01/2023</a:t>
             </a:fld>
             <a:endParaRPr lang="id-ID"/>
           </a:p>
@@ -1077,7 +1077,7 @@
           <a:p>
             <a:fld id="{F5FA0744-E22F-4582-92E3-F7A97B6FEF1F}" type="datetimeFigureOut">
               <a:rPr lang="id-ID" smtClean="0"/>
-              <a:t>01/01/2023</a:t>
+              <a:t>13/01/2023</a:t>
             </a:fld>
             <a:endParaRPr lang="id-ID"/>
           </a:p>
@@ -1333,7 +1333,7 @@
           <a:p>
             <a:fld id="{F5FA0744-E22F-4582-92E3-F7A97B6FEF1F}" type="datetimeFigureOut">
               <a:rPr lang="id-ID" smtClean="0"/>
-              <a:t>01/01/2023</a:t>
+              <a:t>13/01/2023</a:t>
             </a:fld>
             <a:endParaRPr lang="id-ID"/>
           </a:p>
@@ -1507,7 +1507,7 @@
           <a:p>
             <a:fld id="{F5FA0744-E22F-4582-92E3-F7A97B6FEF1F}" type="datetimeFigureOut">
               <a:rPr lang="id-ID" smtClean="0"/>
-              <a:t>01/01/2023</a:t>
+              <a:t>13/01/2023</a:t>
             </a:fld>
             <a:endParaRPr lang="id-ID"/>
           </a:p>
@@ -1850,7 +1850,7 @@
           <a:p>
             <a:fld id="{F5FA0744-E22F-4582-92E3-F7A97B6FEF1F}" type="datetimeFigureOut">
               <a:rPr lang="id-ID" smtClean="0"/>
-              <a:t>01/01/2023</a:t>
+              <a:t>13/01/2023</a:t>
             </a:fld>
             <a:endParaRPr lang="id-ID"/>
           </a:p>
@@ -2125,7 +2125,7 @@
           <a:p>
             <a:fld id="{F5FA0744-E22F-4582-92E3-F7A97B6FEF1F}" type="datetimeFigureOut">
               <a:rPr lang="id-ID" smtClean="0"/>
-              <a:t>01/01/2023</a:t>
+              <a:t>13/01/2023</a:t>
             </a:fld>
             <a:endParaRPr lang="id-ID"/>
           </a:p>
@@ -2504,7 +2504,7 @@
           <a:p>
             <a:fld id="{F5FA0744-E22F-4582-92E3-F7A97B6FEF1F}" type="datetimeFigureOut">
               <a:rPr lang="id-ID" smtClean="0"/>
-              <a:t>01/01/2023</a:t>
+              <a:t>13/01/2023</a:t>
             </a:fld>
             <a:endParaRPr lang="id-ID"/>
           </a:p>
@@ -2622,7 +2622,7 @@
           <a:p>
             <a:fld id="{F5FA0744-E22F-4582-92E3-F7A97B6FEF1F}" type="datetimeFigureOut">
               <a:rPr lang="id-ID" smtClean="0"/>
-              <a:t>01/01/2023</a:t>
+              <a:t>13/01/2023</a:t>
             </a:fld>
             <a:endParaRPr lang="id-ID"/>
           </a:p>
@@ -2793,7 +2793,7 @@
           <a:p>
             <a:fld id="{F5FA0744-E22F-4582-92E3-F7A97B6FEF1F}" type="datetimeFigureOut">
               <a:rPr lang="id-ID" smtClean="0"/>
-              <a:t>01/01/2023</a:t>
+              <a:t>13/01/2023</a:t>
             </a:fld>
             <a:endParaRPr lang="id-ID"/>
           </a:p>
@@ -3147,7 +3147,7 @@
           <a:p>
             <a:fld id="{F5FA0744-E22F-4582-92E3-F7A97B6FEF1F}" type="datetimeFigureOut">
               <a:rPr lang="id-ID" smtClean="0"/>
-              <a:t>01/01/2023</a:t>
+              <a:t>13/01/2023</a:t>
             </a:fld>
             <a:endParaRPr lang="id-ID"/>
           </a:p>
@@ -3529,7 +3529,7 @@
           <a:p>
             <a:fld id="{F5FA0744-E22F-4582-92E3-F7A97B6FEF1F}" type="datetimeFigureOut">
               <a:rPr lang="id-ID" smtClean="0"/>
-              <a:t>01/01/2023</a:t>
+              <a:t>13/01/2023</a:t>
             </a:fld>
             <a:endParaRPr lang="id-ID"/>
           </a:p>
@@ -3816,7 +3816,7 @@
           <a:p>
             <a:fld id="{F5FA0744-E22F-4582-92E3-F7A97B6FEF1F}" type="datetimeFigureOut">
               <a:rPr lang="id-ID" smtClean="0"/>
-              <a:t>01/01/2023</a:t>
+              <a:t>13/01/2023</a:t>
             </a:fld>
             <a:endParaRPr lang="id-ID"/>
           </a:p>
@@ -4479,31 +4479,6 @@
           </a:p>
         </p:txBody>
       </p:sp>
-      <p:sp>
-        <p:nvSpPr>
-          <p:cNvPr id="4" name="Content Placeholder 3">
-            <a:extLst>
-              <a:ext uri="{FF2B5EF4-FFF2-40B4-BE49-F238E27FC236}">
-                <a16:creationId xmlns:a16="http://schemas.microsoft.com/office/drawing/2014/main" id="{BB2C11EC-532E-4379-91FC-E0627CD680B9}"/>
-              </a:ext>
-            </a:extLst>
-          </p:cNvPr>
-          <p:cNvSpPr>
-            <a:spLocks noGrp="1"/>
-          </p:cNvSpPr>
-          <p:nvPr>
-            <p:ph idx="1"/>
-          </p:nvPr>
-        </p:nvSpPr>
-        <p:spPr/>
-        <p:txBody>
-          <a:bodyPr/>
-          <a:lstStyle/>
-          <a:p>
-            <a:endParaRPr lang="id-ID"/>
-          </a:p>
-        </p:txBody>
-      </p:sp>
       <p:pic>
         <p:nvPicPr>
           <p:cNvPr id="5" name="Picture 4" descr="Shape&#10;&#10;Description automatically generated with medium confidence">
@@ -4536,17 +4511,13 @@
       </p:pic>
       <p:pic>
         <p:nvPicPr>
-          <p:cNvPr id="6" name="Picture 5">
-            <a:extLst>
-              <a:ext uri="{FF2B5EF4-FFF2-40B4-BE49-F238E27FC236}">
-                <a16:creationId xmlns:a16="http://schemas.microsoft.com/office/drawing/2014/main" id="{3672DAB7-E356-9E40-26DD-08D4DFF83B7F}"/>
-              </a:ext>
-            </a:extLst>
-          </p:cNvPr>
+          <p:cNvPr id="7" name="Content Placeholder 6"/>
           <p:cNvPicPr>
-            <a:picLocks noChangeAspect="1"/>
+            <a:picLocks noGrp="1"/>
           </p:cNvPicPr>
-          <p:nvPr/>
+          <p:nvPr>
+            <p:ph idx="1"/>
+          </p:nvPr>
         </p:nvPicPr>
         <p:blipFill>
           <a:blip r:embed="rId4"/>
@@ -4556,8 +4527,8 @@
         </p:blipFill>
         <p:spPr>
           <a:xfrm>
-            <a:off x="5238958" y="1976887"/>
-            <a:ext cx="6473581" cy="3641390"/>
+            <a:off x="5183114" y="2057898"/>
+            <a:ext cx="6179043" cy="3444954"/>
           </a:xfrm>
           <a:prstGeom prst="rect">
             <a:avLst/>
